--- a/Final Project House Loan Prediction/HOUSE LOAN PREDICTION.pptx
+++ b/Final Project House Loan Prediction/HOUSE LOAN PREDICTION.pptx
@@ -27,7 +27,7 @@
     <p:sldId id="284" r:id="rId21"/>
     <p:sldId id="271" r:id="rId22"/>
     <p:sldId id="273" r:id="rId23"/>
-    <p:sldId id="272" r:id="rId24"/>
+    <p:sldId id="293" r:id="rId24"/>
   </p:sldIdLst>
   <p:sldSz cx="9144000" cy="6858000" type="screen4x3"/>
   <p:notesSz cx="6858000" cy="9144000"/>
@@ -302,7 +302,8 @@
           <a:p>
             <a:fld id="{0903C83C-FEFC-45F8-8492-FCD5F2ABCFEB}" type="datetimeFigureOut">
               <a:rPr lang="en-US" smtClean="0"/>
-              <a:t>9/9/2022</a:t>
+              <a:pPr/>
+              <a:t>9/10/2022</a:t>
             </a:fld>
             <a:endParaRPr lang="en-US"/>
           </a:p>
@@ -344,6 +345,7 @@
           <a:p>
             <a:fld id="{7351BF4E-B53E-41EA-B145-BE426310BFD6}" type="slidenum">
               <a:rPr lang="en-US" smtClean="0"/>
+              <a:pPr/>
               <a:t>‹#›</a:t>
             </a:fld>
             <a:endParaRPr lang="en-US"/>
@@ -467,7 +469,8 @@
           <a:p>
             <a:fld id="{0903C83C-FEFC-45F8-8492-FCD5F2ABCFEB}" type="datetimeFigureOut">
               <a:rPr lang="en-US" smtClean="0"/>
-              <a:t>9/9/2022</a:t>
+              <a:pPr/>
+              <a:t>9/10/2022</a:t>
             </a:fld>
             <a:endParaRPr lang="en-US"/>
           </a:p>
@@ -509,6 +512,7 @@
           <a:p>
             <a:fld id="{7351BF4E-B53E-41EA-B145-BE426310BFD6}" type="slidenum">
               <a:rPr lang="en-US" smtClean="0"/>
+              <a:pPr/>
               <a:t>‹#›</a:t>
             </a:fld>
             <a:endParaRPr lang="en-US"/>
@@ -642,7 +646,8 @@
           <a:p>
             <a:fld id="{0903C83C-FEFC-45F8-8492-FCD5F2ABCFEB}" type="datetimeFigureOut">
               <a:rPr lang="en-US" smtClean="0"/>
-              <a:t>9/9/2022</a:t>
+              <a:pPr/>
+              <a:t>9/10/2022</a:t>
             </a:fld>
             <a:endParaRPr lang="en-US"/>
           </a:p>
@@ -684,6 +689,7 @@
           <a:p>
             <a:fld id="{7351BF4E-B53E-41EA-B145-BE426310BFD6}" type="slidenum">
               <a:rPr lang="en-US" smtClean="0"/>
+              <a:pPr/>
               <a:t>‹#›</a:t>
             </a:fld>
             <a:endParaRPr lang="en-US"/>
@@ -807,7 +813,8 @@
           <a:p>
             <a:fld id="{0903C83C-FEFC-45F8-8492-FCD5F2ABCFEB}" type="datetimeFigureOut">
               <a:rPr lang="en-US" smtClean="0"/>
-              <a:t>9/9/2022</a:t>
+              <a:pPr/>
+              <a:t>9/10/2022</a:t>
             </a:fld>
             <a:endParaRPr lang="en-US"/>
           </a:p>
@@ -849,6 +856,7 @@
           <a:p>
             <a:fld id="{7351BF4E-B53E-41EA-B145-BE426310BFD6}" type="slidenum">
               <a:rPr lang="en-US" smtClean="0"/>
+              <a:pPr/>
               <a:t>‹#›</a:t>
             </a:fld>
             <a:endParaRPr lang="en-US"/>
@@ -1049,7 +1057,8 @@
           <a:p>
             <a:fld id="{0903C83C-FEFC-45F8-8492-FCD5F2ABCFEB}" type="datetimeFigureOut">
               <a:rPr lang="en-US" smtClean="0"/>
-              <a:t>9/9/2022</a:t>
+              <a:pPr/>
+              <a:t>9/10/2022</a:t>
             </a:fld>
             <a:endParaRPr lang="en-US"/>
           </a:p>
@@ -1091,6 +1100,7 @@
           <a:p>
             <a:fld id="{7351BF4E-B53E-41EA-B145-BE426310BFD6}" type="slidenum">
               <a:rPr lang="en-US" smtClean="0"/>
+              <a:pPr/>
               <a:t>‹#›</a:t>
             </a:fld>
             <a:endParaRPr lang="en-US"/>
@@ -1313,7 +1323,8 @@
           <a:p>
             <a:fld id="{0903C83C-FEFC-45F8-8492-FCD5F2ABCFEB}" type="datetimeFigureOut">
               <a:rPr lang="en-US" smtClean="0"/>
-              <a:t>9/9/2022</a:t>
+              <a:pPr/>
+              <a:t>9/10/2022</a:t>
             </a:fld>
             <a:endParaRPr lang="en-US"/>
           </a:p>
@@ -1355,6 +1366,7 @@
           <a:p>
             <a:fld id="{7351BF4E-B53E-41EA-B145-BE426310BFD6}" type="slidenum">
               <a:rPr lang="en-US" smtClean="0"/>
+              <a:pPr/>
               <a:t>‹#›</a:t>
             </a:fld>
             <a:endParaRPr lang="en-US"/>
@@ -1691,7 +1703,8 @@
           <a:p>
             <a:fld id="{0903C83C-FEFC-45F8-8492-FCD5F2ABCFEB}" type="datetimeFigureOut">
               <a:rPr lang="en-US" smtClean="0"/>
-              <a:t>9/9/2022</a:t>
+              <a:pPr/>
+              <a:t>9/10/2022</a:t>
             </a:fld>
             <a:endParaRPr lang="en-US"/>
           </a:p>
@@ -1733,6 +1746,7 @@
           <a:p>
             <a:fld id="{7351BF4E-B53E-41EA-B145-BE426310BFD6}" type="slidenum">
               <a:rPr lang="en-US" smtClean="0"/>
+              <a:pPr/>
               <a:t>‹#›</a:t>
             </a:fld>
             <a:endParaRPr lang="en-US"/>
@@ -1841,7 +1855,8 @@
           <a:p>
             <a:fld id="{0903C83C-FEFC-45F8-8492-FCD5F2ABCFEB}" type="datetimeFigureOut">
               <a:rPr lang="en-US" smtClean="0"/>
-              <a:t>9/9/2022</a:t>
+              <a:pPr/>
+              <a:t>9/10/2022</a:t>
             </a:fld>
             <a:endParaRPr lang="en-US"/>
           </a:p>
@@ -1883,6 +1898,7 @@
           <a:p>
             <a:fld id="{7351BF4E-B53E-41EA-B145-BE426310BFD6}" type="slidenum">
               <a:rPr lang="en-US" smtClean="0"/>
+              <a:pPr/>
               <a:t>‹#›</a:t>
             </a:fld>
             <a:endParaRPr lang="en-US"/>
@@ -1931,7 +1947,8 @@
           <a:p>
             <a:fld id="{0903C83C-FEFC-45F8-8492-FCD5F2ABCFEB}" type="datetimeFigureOut">
               <a:rPr lang="en-US" smtClean="0"/>
-              <a:t>9/9/2022</a:t>
+              <a:pPr/>
+              <a:t>9/10/2022</a:t>
             </a:fld>
             <a:endParaRPr lang="en-US"/>
           </a:p>
@@ -1973,6 +1990,7 @@
           <a:p>
             <a:fld id="{7351BF4E-B53E-41EA-B145-BE426310BFD6}" type="slidenum">
               <a:rPr lang="en-US" smtClean="0"/>
+              <a:pPr/>
               <a:t>‹#›</a:t>
             </a:fld>
             <a:endParaRPr lang="en-US"/>
@@ -2192,7 +2210,8 @@
           <a:p>
             <a:fld id="{0903C83C-FEFC-45F8-8492-FCD5F2ABCFEB}" type="datetimeFigureOut">
               <a:rPr lang="en-US" smtClean="0"/>
-              <a:t>9/9/2022</a:t>
+              <a:pPr/>
+              <a:t>9/10/2022</a:t>
             </a:fld>
             <a:endParaRPr lang="en-US"/>
           </a:p>
@@ -2234,6 +2253,7 @@
           <a:p>
             <a:fld id="{7351BF4E-B53E-41EA-B145-BE426310BFD6}" type="slidenum">
               <a:rPr lang="en-US" smtClean="0"/>
+              <a:pPr/>
               <a:t>‹#›</a:t>
             </a:fld>
             <a:endParaRPr lang="en-US"/>
@@ -2480,7 +2500,8 @@
           <a:p>
             <a:fld id="{0903C83C-FEFC-45F8-8492-FCD5F2ABCFEB}" type="datetimeFigureOut">
               <a:rPr lang="en-US" smtClean="0"/>
-              <a:t>9/9/2022</a:t>
+              <a:pPr/>
+              <a:t>9/10/2022</a:t>
             </a:fld>
             <a:endParaRPr lang="en-US"/>
           </a:p>
@@ -2527,6 +2548,7 @@
           <a:p>
             <a:fld id="{7351BF4E-B53E-41EA-B145-BE426310BFD6}" type="slidenum">
               <a:rPr lang="en-US" smtClean="0"/>
+              <a:pPr/>
               <a:t>‹#›</a:t>
             </a:fld>
             <a:endParaRPr lang="en-US"/>
@@ -3251,7 +3273,8 @@
           <a:p>
             <a:fld id="{0903C83C-FEFC-45F8-8492-FCD5F2ABCFEB}" type="datetimeFigureOut">
               <a:rPr lang="en-US" smtClean="0"/>
-              <a:t>9/9/2022</a:t>
+              <a:pPr/>
+              <a:t>9/10/2022</a:t>
             </a:fld>
             <a:endParaRPr lang="en-US"/>
           </a:p>
@@ -3329,6 +3352,7 @@
           <a:p>
             <a:fld id="{7351BF4E-B53E-41EA-B145-BE426310BFD6}" type="slidenum">
               <a:rPr lang="en-US" smtClean="0"/>
+              <a:pPr/>
               <a:t>‹#›</a:t>
             </a:fld>
             <a:endParaRPr lang="en-US"/>
@@ -3970,12 +3994,26 @@
         </p:nvSpPr>
         <p:spPr/>
         <p:txBody>
-          <a:bodyPr/>
-          <a:lstStyle/>
-          <a:p>
-            <a:r>
-              <a:rPr lang="en-US" dirty="0" smtClean="0"/>
-              <a:t>Exploratory Data Analysis</a:t>
+          <a:bodyPr>
+            <a:normAutofit fontScale="90000"/>
+          </a:bodyPr>
+          <a:lstStyle/>
+          <a:p>
+            <a:r>
+              <a:rPr lang="en-US" dirty="0" smtClean="0"/>
+              <a:t>EDA – Loan Status </a:t>
+            </a:r>
+            <a:r>
+              <a:rPr lang="en-US" dirty="0" err="1" smtClean="0"/>
+              <a:t>vs</a:t>
+            </a:r>
+            <a:r>
+              <a:rPr lang="en-US" dirty="0" smtClean="0"/>
+              <a:t> </a:t>
+            </a:r>
+            <a:r>
+              <a:rPr lang="en-US" dirty="0" smtClean="0"/>
+              <a:t>Dependents</a:t>
             </a:r>
             <a:endParaRPr lang="en-US" dirty="0"/>
           </a:p>
@@ -4099,7 +4137,6 @@
               <a:rPr lang="en-US" dirty="0" smtClean="0"/>
               <a:t>.</a:t>
             </a:r>
-            <a:endParaRPr lang="en-US" dirty="0" smtClean="0"/>
           </a:p>
         </p:txBody>
       </p:sp>
@@ -4178,7 +4215,19 @@
           <a:p>
             <a:r>
               <a:rPr lang="en-US" dirty="0" smtClean="0"/>
-              <a:t>Exploratory Data Analysis</a:t>
+              <a:t>EDA – Loan Status </a:t>
+            </a:r>
+            <a:r>
+              <a:rPr lang="en-US" dirty="0" err="1" smtClean="0"/>
+              <a:t>vs</a:t>
+            </a:r>
+            <a:r>
+              <a:rPr lang="en-US" dirty="0" smtClean="0"/>
+              <a:t> </a:t>
+            </a:r>
+            <a:r>
+              <a:rPr lang="en-US" dirty="0" smtClean="0"/>
+              <a:t>Education</a:t>
             </a:r>
             <a:endParaRPr lang="en-US" dirty="0"/>
           </a:p>
@@ -4351,12 +4400,26 @@
         </p:nvSpPr>
         <p:spPr/>
         <p:txBody>
-          <a:bodyPr/>
-          <a:lstStyle/>
-          <a:p>
-            <a:r>
-              <a:rPr lang="en-US" dirty="0" smtClean="0"/>
-              <a:t>Exploratory Data Analysis</a:t>
+          <a:bodyPr>
+            <a:normAutofit fontScale="90000"/>
+          </a:bodyPr>
+          <a:lstStyle/>
+          <a:p>
+            <a:r>
+              <a:rPr lang="en-US" dirty="0" smtClean="0"/>
+              <a:t>EDA – Loan Status </a:t>
+            </a:r>
+            <a:r>
+              <a:rPr lang="en-US" dirty="0" err="1" smtClean="0"/>
+              <a:t>vs</a:t>
+            </a:r>
+            <a:r>
+              <a:rPr lang="en-US" dirty="0" smtClean="0"/>
+              <a:t> </a:t>
+            </a:r>
+            <a:r>
+              <a:rPr lang="en-US" dirty="0" smtClean="0"/>
+              <a:t>Self Employed</a:t>
             </a:r>
             <a:endParaRPr lang="en-US" dirty="0"/>
           </a:p>
@@ -4480,7 +4543,6 @@
               <a:rPr lang="en-US" dirty="0" smtClean="0"/>
               <a:t>.</a:t>
             </a:r>
-            <a:endParaRPr lang="en-US" dirty="0" smtClean="0"/>
           </a:p>
         </p:txBody>
       </p:sp>
@@ -4554,12 +4616,26 @@
         </p:nvSpPr>
         <p:spPr/>
         <p:txBody>
-          <a:bodyPr/>
-          <a:lstStyle/>
-          <a:p>
-            <a:r>
-              <a:rPr lang="en-US" dirty="0" smtClean="0"/>
-              <a:t>Exploratory Data Analysis</a:t>
+          <a:bodyPr>
+            <a:normAutofit fontScale="90000"/>
+          </a:bodyPr>
+          <a:lstStyle/>
+          <a:p>
+            <a:r>
+              <a:rPr lang="en-US" dirty="0" smtClean="0"/>
+              <a:t>EDA – Loan Status </a:t>
+            </a:r>
+            <a:r>
+              <a:rPr lang="en-US" dirty="0" err="1" smtClean="0"/>
+              <a:t>vs</a:t>
+            </a:r>
+            <a:r>
+              <a:rPr lang="en-US" dirty="0" smtClean="0"/>
+              <a:t> </a:t>
+            </a:r>
+            <a:r>
+              <a:rPr lang="en-US" dirty="0" smtClean="0"/>
+              <a:t>Property Area</a:t>
             </a:r>
             <a:endParaRPr lang="en-US" dirty="0"/>
           </a:p>
@@ -4675,7 +4751,6 @@
               <a:rPr lang="en-US" dirty="0" smtClean="0"/>
               <a:t>.</a:t>
             </a:r>
-            <a:endParaRPr lang="en-US" dirty="0" smtClean="0"/>
           </a:p>
         </p:txBody>
       </p:sp>
@@ -4747,14 +4822,33 @@
             <p:ph type="title"/>
           </p:nvPr>
         </p:nvSpPr>
-        <p:spPr/>
-        <p:txBody>
-          <a:bodyPr/>
-          <a:lstStyle/>
-          <a:p>
-            <a:r>
-              <a:rPr lang="en-US" dirty="0" smtClean="0"/>
-              <a:t>Exploratory Data Analysis</a:t>
+        <p:spPr>
+          <a:xfrm>
+            <a:off x="457200" y="704088"/>
+            <a:ext cx="8534400" cy="1143000"/>
+          </a:xfrm>
+        </p:spPr>
+        <p:txBody>
+          <a:bodyPr>
+            <a:normAutofit fontScale="90000"/>
+          </a:bodyPr>
+          <a:lstStyle/>
+          <a:p>
+            <a:r>
+              <a:rPr lang="en-US" dirty="0" smtClean="0"/>
+              <a:t>EDA – Loan Status </a:t>
+            </a:r>
+            <a:r>
+              <a:rPr lang="en-US" dirty="0" err="1" smtClean="0"/>
+              <a:t>vs</a:t>
+            </a:r>
+            <a:r>
+              <a:rPr lang="en-US" dirty="0" smtClean="0"/>
+              <a:t> </a:t>
+            </a:r>
+            <a:r>
+              <a:rPr lang="en-US" dirty="0" smtClean="0"/>
+              <a:t>Credit History</a:t>
             </a:r>
             <a:endParaRPr lang="en-US" dirty="0"/>
           </a:p>
@@ -4862,7 +4956,6 @@
               <a:rPr lang="en-US" dirty="0" smtClean="0"/>
               <a:t>.</a:t>
             </a:r>
-            <a:endParaRPr lang="en-US" dirty="0" smtClean="0"/>
           </a:p>
         </p:txBody>
       </p:sp>
@@ -4941,11 +5034,7 @@
           <a:p>
             <a:r>
               <a:rPr lang="en-US" dirty="0" smtClean="0"/>
-              <a:t>Data </a:t>
-            </a:r>
-            <a:r>
-              <a:rPr lang="en-US" dirty="0" smtClean="0"/>
-              <a:t>Preprocessing – null value</a:t>
+              <a:t>Data Preprocessing – null value</a:t>
             </a:r>
             <a:endParaRPr lang="en-US" dirty="0"/>
           </a:p>
@@ -5150,35 +5239,17 @@
               <a:rPr lang="en-US" dirty="0" smtClean="0"/>
               <a:t>To handle null values: </a:t>
             </a:r>
-            <a:endParaRPr lang="en-US" dirty="0" smtClean="0"/>
-          </a:p>
-          <a:p>
-            <a:r>
-              <a:rPr lang="en-US" dirty="0" smtClean="0"/>
-              <a:t>For </a:t>
-            </a:r>
-            <a:r>
-              <a:rPr lang="en-US" dirty="0" smtClean="0"/>
-              <a:t>Categorical Features null values ​​will be </a:t>
-            </a:r>
-            <a:r>
-              <a:rPr lang="en-US" dirty="0" smtClean="0"/>
-              <a:t>replaced with </a:t>
-            </a:r>
-            <a:r>
-              <a:rPr lang="en-US" dirty="0" smtClean="0"/>
-              <a:t>mode values. </a:t>
-            </a:r>
-            <a:endParaRPr lang="en-US" dirty="0" smtClean="0"/>
-          </a:p>
-          <a:p>
-            <a:r>
-              <a:rPr lang="en-US" dirty="0" smtClean="0"/>
-              <a:t>For </a:t>
-            </a:r>
-            <a:r>
-              <a:rPr lang="en-US" dirty="0" smtClean="0"/>
-              <a:t>Numerical features, null values ​​will be replaced with mean or median values.</a:t>
+          </a:p>
+          <a:p>
+            <a:r>
+              <a:rPr lang="en-US" dirty="0" smtClean="0"/>
+              <a:t>For Categorical Features null values ​​will be replaced with mode values. </a:t>
+            </a:r>
+          </a:p>
+          <a:p>
+            <a:r>
+              <a:rPr lang="en-US" dirty="0" smtClean="0"/>
+              <a:t>For Numerical features, null values ​​will be replaced with mean or median values.</a:t>
             </a:r>
             <a:endParaRPr lang="en-US" dirty="0"/>
           </a:p>
@@ -5256,8 +5327,8 @@
         </p:blipFill>
         <p:spPr bwMode="auto">
           <a:xfrm>
-            <a:off x="457200" y="2209800"/>
-            <a:ext cx="5400675" cy="4019550"/>
+            <a:off x="1524000" y="4343400"/>
+            <a:ext cx="2667000" cy="1733550"/>
           </a:xfrm>
           <a:prstGeom prst="rect">
             <a:avLst/>
@@ -5280,7 +5351,7 @@
         </p:nvSpPr>
         <p:spPr>
           <a:xfrm>
-            <a:off x="6019800" y="2209800"/>
+            <a:off x="5334000" y="2286000"/>
             <a:ext cx="2895600" cy="3139321"/>
           </a:xfrm>
           <a:prstGeom prst="rect">
@@ -5298,6 +5369,99 @@
               <a:rPr lang="en-US" dirty="0"/>
               <a:t>As the Loan Amount feature follows right skewed distribution, we will perform a log transformation to get the normal distribution, as the model will give a better performance on the normal distribution The same log transformation will be applied on the test data</a:t>
             </a:r>
+          </a:p>
+        </p:txBody>
+      </p:sp>
+      <p:pic>
+        <p:nvPicPr>
+          <p:cNvPr id="2050" name="Picture 2"/>
+          <p:cNvPicPr>
+            <a:picLocks noChangeAspect="1" noChangeArrowheads="1"/>
+          </p:cNvPicPr>
+          <p:nvPr/>
+        </p:nvPicPr>
+        <p:blipFill>
+          <a:blip r:embed="rId3" cstate="print"/>
+          <a:srcRect/>
+          <a:stretch>
+            <a:fillRect/>
+          </a:stretch>
+        </p:blipFill>
+        <p:spPr bwMode="auto">
+          <a:xfrm>
+            <a:off x="1524000" y="2133600"/>
+            <a:ext cx="3124200" cy="1905000"/>
+          </a:xfrm>
+          <a:prstGeom prst="rect">
+            <a:avLst/>
+          </a:prstGeom>
+          <a:noFill/>
+          <a:ln w="9525">
+            <a:noFill/>
+            <a:miter lim="800000"/>
+            <a:headEnd/>
+            <a:tailEnd/>
+          </a:ln>
+          <a:effectLst/>
+        </p:spPr>
+      </p:pic>
+      <p:sp>
+        <p:nvSpPr>
+          <p:cNvPr id="6" name="TextBox 5"/>
+          <p:cNvSpPr txBox="1"/>
+          <p:nvPr/>
+        </p:nvSpPr>
+        <p:spPr>
+          <a:xfrm>
+            <a:off x="2209800" y="4038600"/>
+            <a:ext cx="1697901" cy="253916"/>
+          </a:xfrm>
+          <a:prstGeom prst="rect">
+            <a:avLst/>
+          </a:prstGeom>
+          <a:noFill/>
+        </p:spPr>
+        <p:txBody>
+          <a:bodyPr wrap="none" rtlCol="0">
+            <a:spAutoFit/>
+          </a:bodyPr>
+          <a:lstStyle/>
+          <a:p>
+            <a:r>
+              <a:rPr lang="en-US" sz="1050" dirty="0" smtClean="0"/>
+              <a:t>Right skewed distribution</a:t>
+            </a:r>
+            <a:endParaRPr lang="en-US" sz="1050" dirty="0"/>
+          </a:p>
+        </p:txBody>
+      </p:sp>
+      <p:sp>
+        <p:nvSpPr>
+          <p:cNvPr id="7" name="TextBox 6"/>
+          <p:cNvSpPr txBox="1"/>
+          <p:nvPr/>
+        </p:nvSpPr>
+        <p:spPr>
+          <a:xfrm>
+            <a:off x="2133600" y="6096000"/>
+            <a:ext cx="1359668" cy="253916"/>
+          </a:xfrm>
+          <a:prstGeom prst="rect">
+            <a:avLst/>
+          </a:prstGeom>
+          <a:noFill/>
+        </p:spPr>
+        <p:txBody>
+          <a:bodyPr wrap="none" rtlCol="0">
+            <a:spAutoFit/>
+          </a:bodyPr>
+          <a:lstStyle/>
+          <a:p>
+            <a:r>
+              <a:rPr lang="en-US" sz="1050" dirty="0" smtClean="0"/>
+              <a:t>Normal distribution</a:t>
+            </a:r>
+            <a:endParaRPr lang="en-US" sz="1050" dirty="0"/>
           </a:p>
         </p:txBody>
       </p:sp>
@@ -5378,21 +5542,8 @@
           <a:p>
             <a:r>
               <a:rPr lang="en-US" dirty="0" smtClean="0"/>
-              <a:t>Converting all the categorical </a:t>
-            </a:r>
-            <a:r>
-              <a:rPr lang="en-US" dirty="0" err="1" smtClean="0"/>
-              <a:t>varibales</a:t>
-            </a:r>
-            <a:r>
-              <a:rPr lang="en-US" dirty="0" smtClean="0"/>
-              <a:t> into numerical </a:t>
-            </a:r>
-            <a:r>
-              <a:rPr lang="en-US" dirty="0" err="1" smtClean="0"/>
-              <a:t>varibales</a:t>
-            </a:r>
-            <a:endParaRPr lang="en-US" dirty="0" smtClean="0"/>
+              <a:t>Converting all the categorical variables into numerical variables</a:t>
+            </a:r>
           </a:p>
         </p:txBody>
       </p:sp>
@@ -5484,9 +5635,39 @@
           </a:p>
         </p:txBody>
       </p:sp>
+      <p:sp>
+        <p:nvSpPr>
+          <p:cNvPr id="7" name="TextBox 6"/>
+          <p:cNvSpPr txBox="1"/>
+          <p:nvPr/>
+        </p:nvSpPr>
+        <p:spPr>
+          <a:xfrm>
+            <a:off x="1981200" y="6248400"/>
+            <a:ext cx="2225161" cy="369332"/>
+          </a:xfrm>
+          <a:prstGeom prst="rect">
+            <a:avLst/>
+          </a:prstGeom>
+          <a:noFill/>
+        </p:spPr>
+        <p:txBody>
+          <a:bodyPr wrap="none" rtlCol="0">
+            <a:spAutoFit/>
+          </a:bodyPr>
+          <a:lstStyle/>
+          <a:p>
+            <a:r>
+              <a:rPr lang="en-US" b="1" dirty="0" smtClean="0"/>
+              <a:t>Correlation Matrix</a:t>
+            </a:r>
+            <a:endParaRPr lang="en-US" b="1" dirty="0"/>
+          </a:p>
+        </p:txBody>
+      </p:sp>
       <p:pic>
         <p:nvPicPr>
-          <p:cNvPr id="23554" name="Picture 2"/>
+          <p:cNvPr id="1026" name="Picture 2" descr="C:\Users\William\Downloads\corr.png"/>
           <p:cNvPicPr>
             <a:picLocks noChangeAspect="1" noChangeArrowheads="1"/>
           </p:cNvPicPr>
@@ -5501,32 +5682,25 @@
         </p:blipFill>
         <p:spPr bwMode="auto">
           <a:xfrm>
-            <a:off x="685800" y="2057400"/>
-            <a:ext cx="5013917" cy="4071938"/>
+            <a:off x="381000" y="2285999"/>
+            <a:ext cx="4267200" cy="3731287"/>
           </a:xfrm>
           <a:prstGeom prst="rect">
             <a:avLst/>
           </a:prstGeom>
           <a:noFill/>
-          <a:ln w="9525">
-            <a:noFill/>
-            <a:miter lim="800000"/>
-            <a:headEnd/>
-            <a:tailEnd/>
-          </a:ln>
-          <a:effectLst/>
         </p:spPr>
       </p:pic>
       <p:sp>
         <p:nvSpPr>
-          <p:cNvPr id="7" name="TextBox 6"/>
+          <p:cNvPr id="8" name="TextBox 7"/>
           <p:cNvSpPr txBox="1"/>
           <p:nvPr/>
         </p:nvSpPr>
         <p:spPr>
           <a:xfrm>
-            <a:off x="1981200" y="6248400"/>
-            <a:ext cx="2225161" cy="369332"/>
+            <a:off x="4876800" y="2362200"/>
+            <a:ext cx="3962400" cy="2308324"/>
           </a:xfrm>
           <a:prstGeom prst="rect">
             <a:avLst/>
@@ -5534,16 +5708,67 @@
           <a:noFill/>
         </p:spPr>
         <p:txBody>
-          <a:bodyPr wrap="none" rtlCol="0">
+          <a:bodyPr wrap="square" rtlCol="0">
             <a:spAutoFit/>
           </a:bodyPr>
           <a:lstStyle/>
           <a:p>
-            <a:r>
-              <a:rPr lang="en-US" b="1" dirty="0" smtClean="0"/>
-              <a:t>Correlation Matrix</a:t>
-            </a:r>
-            <a:endParaRPr lang="en-US" b="1" dirty="0"/>
+            <a:pPr>
+              <a:buFont typeface="Arial" pitchFamily="34" charset="0"/>
+              <a:buChar char="•"/>
+            </a:pPr>
+            <a:r>
+              <a:rPr lang="en-US" dirty="0" smtClean="0"/>
+              <a:t> Loan amount  highly correlated with </a:t>
+            </a:r>
+            <a:r>
+              <a:rPr lang="en-US" dirty="0" err="1" smtClean="0"/>
+              <a:t>applicantIncome</a:t>
+            </a:r>
+            <a:r>
+              <a:rPr lang="en-US" dirty="0" smtClean="0"/>
+              <a:t> and </a:t>
+            </a:r>
+            <a:r>
+              <a:rPr lang="en-US" dirty="0" err="1" smtClean="0"/>
+              <a:t>coapplicant</a:t>
+            </a:r>
+            <a:r>
+              <a:rPr lang="en-US" dirty="0" err="1" smtClean="0"/>
+              <a:t>Income</a:t>
+            </a:r>
+            <a:endParaRPr lang="en-US" dirty="0" smtClean="0"/>
+          </a:p>
+          <a:p>
+            <a:pPr>
+              <a:buFont typeface="Arial" pitchFamily="34" charset="0"/>
+              <a:buChar char="•"/>
+            </a:pPr>
+            <a:endParaRPr lang="en-US" dirty="0" smtClean="0"/>
+          </a:p>
+          <a:p>
+            <a:pPr>
+              <a:buFont typeface="Arial" pitchFamily="34" charset="0"/>
+              <a:buChar char="•"/>
+            </a:pPr>
+            <a:r>
+              <a:rPr lang="en-US" dirty="0" smtClean="0"/>
+              <a:t> Credit has low correlation to any of the feature</a:t>
+            </a:r>
+          </a:p>
+          <a:p>
+            <a:pPr>
+              <a:buFontTx/>
+              <a:buChar char="-"/>
+            </a:pPr>
+            <a:endParaRPr lang="en-US" dirty="0" smtClean="0"/>
+          </a:p>
+          <a:p>
+            <a:pPr>
+              <a:buFontTx/>
+              <a:buChar char="-"/>
+            </a:pPr>
+            <a:endParaRPr lang="en-US" dirty="0"/>
           </a:p>
         </p:txBody>
       </p:sp>
@@ -6150,34 +6375,44 @@
         </p:nvSpPr>
         <p:spPr/>
         <p:txBody>
+          <a:bodyPr>
+            <a:normAutofit fontScale="90000"/>
+          </a:bodyPr>
+          <a:lstStyle/>
+          <a:p>
+            <a:r>
+              <a:rPr lang="en-US" dirty="0" smtClean="0"/>
+              <a:t>Modeling – </a:t>
+            </a:r>
+            <a:r>
+              <a:rPr lang="en-US" dirty="0" err="1" smtClean="0"/>
+              <a:t>Supervied</a:t>
+            </a:r>
+            <a:r>
+              <a:rPr lang="en-US" dirty="0" smtClean="0"/>
+              <a:t> Classification</a:t>
+            </a:r>
+            <a:endParaRPr lang="en-US" dirty="0"/>
+          </a:p>
+        </p:txBody>
+      </p:sp>
+      <p:sp>
+        <p:nvSpPr>
+          <p:cNvPr id="3" name="Content Placeholder 2"/>
+          <p:cNvSpPr>
+            <a:spLocks noGrp="1"/>
+          </p:cNvSpPr>
+          <p:nvPr>
+            <p:ph idx="1"/>
+          </p:nvPr>
+        </p:nvSpPr>
+        <p:spPr/>
+        <p:txBody>
           <a:bodyPr/>
           <a:lstStyle/>
           <a:p>
             <a:r>
               <a:rPr lang="en-US" dirty="0" smtClean="0"/>
-              <a:t>Modeling</a:t>
-            </a:r>
-            <a:endParaRPr lang="en-US" dirty="0"/>
-          </a:p>
-        </p:txBody>
-      </p:sp>
-      <p:sp>
-        <p:nvSpPr>
-          <p:cNvPr id="3" name="Content Placeholder 2"/>
-          <p:cNvSpPr>
-            <a:spLocks noGrp="1"/>
-          </p:cNvSpPr>
-          <p:nvPr>
-            <p:ph idx="1"/>
-          </p:nvPr>
-        </p:nvSpPr>
-        <p:spPr/>
-        <p:txBody>
-          <a:bodyPr/>
-          <a:lstStyle/>
-          <a:p>
-            <a:r>
-              <a:rPr lang="en-US" dirty="0" smtClean="0"/>
               <a:t>The following models will the applied on the training data:</a:t>
             </a:r>
           </a:p>
@@ -6192,11 +6427,7 @@
             <a:pPr lvl="1"/>
             <a:r>
               <a:rPr lang="en-US" dirty="0" smtClean="0"/>
-              <a:t>Random </a:t>
-            </a:r>
-            <a:r>
-              <a:rPr lang="en-US" dirty="0" smtClean="0"/>
-              <a:t>Forest Classifier</a:t>
+              <a:t>Random Forest Classifier</a:t>
             </a:r>
           </a:p>
           <a:p>
@@ -6364,7 +6595,7 @@
         <p:spPr>
           <a:xfrm>
             <a:off x="838200" y="3810000"/>
-            <a:ext cx="2209259" cy="246221"/>
+            <a:ext cx="1111202" cy="246221"/>
           </a:xfrm>
           <a:prstGeom prst="rect">
             <a:avLst/>
@@ -6379,7 +6610,7 @@
           <a:p>
             <a:r>
               <a:rPr lang="en-US" sz="1000" b="1" dirty="0" smtClean="0"/>
-              <a:t>1. Linear Confusion Matrix Result</a:t>
+              <a:t>1. Linear Result</a:t>
             </a:r>
             <a:endParaRPr lang="en-US" sz="1000" b="1" dirty="0"/>
           </a:p>
@@ -6394,7 +6625,7 @@
         <p:spPr>
           <a:xfrm>
             <a:off x="5181600" y="3810000"/>
-            <a:ext cx="2763898" cy="246221"/>
+            <a:ext cx="1665841" cy="246221"/>
           </a:xfrm>
           <a:prstGeom prst="rect">
             <a:avLst/>
@@ -6413,7 +6644,7 @@
             </a:r>
             <a:r>
               <a:rPr lang="en-US" sz="1000" b="1" dirty="0" smtClean="0"/>
-              <a:t>. Random Forest Confusion Matrix Result</a:t>
+              <a:t>. Random Forest Result</a:t>
             </a:r>
             <a:endParaRPr lang="en-US" sz="1000" b="1" dirty="0"/>
           </a:p>
@@ -6428,7 +6659,7 @@
         <p:spPr>
           <a:xfrm>
             <a:off x="1066800" y="6611779"/>
-            <a:ext cx="1656223" cy="246221"/>
+            <a:ext cx="1231427" cy="246221"/>
           </a:xfrm>
           <a:prstGeom prst="rect">
             <a:avLst/>
@@ -6455,7 +6686,7 @@
             </a:r>
             <a:r>
               <a:rPr lang="en-US" sz="1000" b="1" dirty="0" smtClean="0"/>
-              <a:t> Matrix Result</a:t>
+              <a:t> Result</a:t>
             </a:r>
             <a:endParaRPr lang="en-US" sz="1000" b="1" dirty="0"/>
           </a:p>
@@ -6516,15 +6747,143 @@
           </a:p>
         </p:txBody>
       </p:sp>
+      <p:sp>
+        <p:nvSpPr>
+          <p:cNvPr id="5" name="TextBox 4"/>
+          <p:cNvSpPr txBox="1"/>
+          <p:nvPr/>
+        </p:nvSpPr>
+        <p:spPr>
+          <a:xfrm>
+            <a:off x="685800" y="2438400"/>
+            <a:ext cx="3886200" cy="1077218"/>
+          </a:xfrm>
+          <a:prstGeom prst="rect">
+            <a:avLst/>
+          </a:prstGeom>
+          <a:noFill/>
+        </p:spPr>
+        <p:txBody>
+          <a:bodyPr wrap="square" rtlCol="0">
+            <a:spAutoFit/>
+          </a:bodyPr>
+          <a:lstStyle/>
+          <a:p>
+            <a:pPr algn="just"/>
+            <a:r>
+              <a:rPr lang="en-US" sz="1600" b="1" dirty="0" smtClean="0"/>
+              <a:t>Dari</a:t>
+            </a:r>
+            <a:r>
+              <a:rPr lang="en-US" sz="1600" b="1" dirty="0"/>
+              <a:t> </a:t>
+            </a:r>
+            <a:r>
+              <a:rPr lang="en-US" sz="1600" b="1" dirty="0" err="1" smtClean="0"/>
+              <a:t>hasil</a:t>
+            </a:r>
+            <a:r>
+              <a:rPr lang="en-US" sz="1600" b="1" dirty="0" smtClean="0"/>
+              <a:t> modeling </a:t>
+            </a:r>
+            <a:r>
+              <a:rPr lang="en-US" sz="1600" b="1" dirty="0" err="1" smtClean="0"/>
+              <a:t>terlihat</a:t>
+            </a:r>
+            <a:r>
+              <a:rPr lang="en-US" sz="1600" b="1" dirty="0" smtClean="0"/>
+              <a:t> </a:t>
+            </a:r>
+            <a:r>
+              <a:rPr lang="en-US" sz="1600" b="1" dirty="0" err="1" smtClean="0"/>
+              <a:t>bahwa</a:t>
+            </a:r>
+            <a:r>
+              <a:rPr lang="en-US" sz="1600" b="1" dirty="0" smtClean="0"/>
+              <a:t> Random</a:t>
+            </a:r>
+            <a:r>
+              <a:rPr lang="en-US" sz="1600" b="1" dirty="0"/>
+              <a:t> Forest </a:t>
+            </a:r>
+            <a:r>
+              <a:rPr lang="en-US" sz="1600" b="1" dirty="0" err="1"/>
+              <a:t>memberikan</a:t>
+            </a:r>
+            <a:r>
+              <a:rPr lang="en-US" sz="1600" b="1" dirty="0"/>
+              <a:t> </a:t>
+            </a:r>
+            <a:r>
+              <a:rPr lang="en-US" sz="1600" b="1" dirty="0" err="1"/>
+              <a:t>skor</a:t>
+            </a:r>
+            <a:r>
+              <a:rPr lang="en-US" sz="1600" b="1" dirty="0"/>
+              <a:t> </a:t>
+            </a:r>
+            <a:r>
+              <a:rPr lang="en-US" sz="1600" b="1" dirty="0" smtClean="0"/>
+              <a:t> </a:t>
+            </a:r>
+          </a:p>
+          <a:p>
+            <a:pPr algn="just"/>
+            <a:r>
+              <a:rPr lang="en-US" sz="1600" b="1" dirty="0" err="1" smtClean="0"/>
+              <a:t>akurasi</a:t>
+            </a:r>
+            <a:r>
+              <a:rPr lang="en-US" sz="1600" b="1" dirty="0"/>
+              <a:t> </a:t>
+            </a:r>
+            <a:r>
+              <a:rPr lang="en-US" sz="1600" b="1" dirty="0" err="1"/>
+              <a:t>dan</a:t>
+            </a:r>
+            <a:r>
+              <a:rPr lang="en-US" sz="1600" b="1" dirty="0"/>
+              <a:t> </a:t>
+            </a:r>
+            <a:r>
+              <a:rPr lang="en-US" sz="1600" b="1" dirty="0" err="1"/>
+              <a:t>skor</a:t>
+            </a:r>
+            <a:r>
+              <a:rPr lang="en-US" sz="1600" b="1" dirty="0"/>
+              <a:t> </a:t>
+            </a:r>
+            <a:r>
+              <a:rPr lang="en-US" sz="1600" b="1" dirty="0" smtClean="0"/>
+              <a:t>F1</a:t>
+            </a:r>
+            <a:r>
+              <a:rPr lang="en-US" sz="1600" b="1" dirty="0"/>
+              <a:t> </a:t>
+            </a:r>
+            <a:r>
+              <a:rPr lang="en-US" sz="1600" b="1" dirty="0" err="1"/>
+              <a:t>terbaik</a:t>
+            </a:r>
+            <a:r>
+              <a:rPr lang="en-US" sz="1600" b="1" dirty="0" smtClean="0"/>
+              <a:t>.</a:t>
+            </a:r>
+            <a:endParaRPr lang="en-US" sz="1600" dirty="0"/>
+          </a:p>
+          <a:p>
+            <a:pPr algn="just"/>
+            <a:endParaRPr lang="en-US" sz="1600" dirty="0"/>
+          </a:p>
+        </p:txBody>
+      </p:sp>
       <p:pic>
         <p:nvPicPr>
-          <p:cNvPr id="16386" name="Picture 2"/>
+          <p:cNvPr id="4098" name="Picture 2"/>
           <p:cNvPicPr>
-            <a:picLocks noGrp="1" noChangeAspect="1" noChangeArrowheads="1"/>
+            <a:picLocks noChangeAspect="1" noChangeArrowheads="1"/>
           </p:cNvPicPr>
-          <p:nvPr>
-            <p:ph idx="1"/>
-          </p:nvPr>
+          <p:nvPr/>
         </p:nvPicPr>
         <p:blipFill>
           <a:blip r:embed="rId2" cstate="print"/>
@@ -6535,8 +6894,8 @@
         </p:blipFill>
         <p:spPr bwMode="auto">
           <a:xfrm>
-            <a:off x="5029200" y="2286000"/>
-            <a:ext cx="3534269" cy="1505160"/>
+            <a:off x="4876800" y="2286000"/>
+            <a:ext cx="4171950" cy="1285875"/>
           </a:xfrm>
           <a:prstGeom prst="rect">
             <a:avLst/>
@@ -6551,136 +6910,6 @@
           <a:effectLst/>
         </p:spPr>
       </p:pic>
-      <p:sp>
-        <p:nvSpPr>
-          <p:cNvPr id="5" name="TextBox 4"/>
-          <p:cNvSpPr txBox="1"/>
-          <p:nvPr/>
-        </p:nvSpPr>
-        <p:spPr>
-          <a:xfrm>
-            <a:off x="685800" y="2438400"/>
-            <a:ext cx="3886200" cy="1077218"/>
-          </a:xfrm>
-          <a:prstGeom prst="rect">
-            <a:avLst/>
-          </a:prstGeom>
-          <a:noFill/>
-        </p:spPr>
-        <p:txBody>
-          <a:bodyPr wrap="square" rtlCol="0">
-            <a:spAutoFit/>
-          </a:bodyPr>
-          <a:lstStyle/>
-          <a:p>
-            <a:pPr algn="just"/>
-            <a:r>
-              <a:rPr lang="en-US" sz="1600" b="1" dirty="0" smtClean="0"/>
-              <a:t>Dari</a:t>
-            </a:r>
-            <a:r>
-              <a:rPr lang="en-US" sz="1600" b="1" dirty="0"/>
-              <a:t> </a:t>
-            </a:r>
-            <a:r>
-              <a:rPr lang="en-US" sz="1600" b="1" dirty="0" err="1" smtClean="0"/>
-              <a:t>hasil</a:t>
-            </a:r>
-            <a:r>
-              <a:rPr lang="en-US" sz="1600" b="1" dirty="0" smtClean="0"/>
-              <a:t> modeling </a:t>
-            </a:r>
-            <a:r>
-              <a:rPr lang="en-US" sz="1600" b="1" dirty="0" err="1" smtClean="0"/>
-              <a:t>terlihat</a:t>
-            </a:r>
-            <a:r>
-              <a:rPr lang="en-US" sz="1600" b="1" dirty="0" smtClean="0"/>
-              <a:t> </a:t>
-            </a:r>
-            <a:r>
-              <a:rPr lang="en-US" sz="1600" b="1" dirty="0" err="1" smtClean="0"/>
-              <a:t>bahwa</a:t>
-            </a:r>
-            <a:r>
-              <a:rPr lang="en-US" sz="1600" b="1" dirty="0" smtClean="0"/>
-              <a:t> Random</a:t>
-            </a:r>
-            <a:r>
-              <a:rPr lang="en-US" sz="1600" b="1" dirty="0"/>
-              <a:t> Forest </a:t>
-            </a:r>
-            <a:r>
-              <a:rPr lang="en-US" sz="1600" b="1" dirty="0" err="1"/>
-              <a:t>memberikan</a:t>
-            </a:r>
-            <a:r>
-              <a:rPr lang="en-US" sz="1600" b="1" dirty="0"/>
-              <a:t> </a:t>
-            </a:r>
-            <a:r>
-              <a:rPr lang="en-US" sz="1600" b="1" dirty="0" err="1"/>
-              <a:t>skor</a:t>
-            </a:r>
-            <a:r>
-              <a:rPr lang="en-US" sz="1600" b="1" dirty="0"/>
-              <a:t> </a:t>
-            </a:r>
-            <a:r>
-              <a:rPr lang="en-US" sz="1600" b="1" dirty="0" smtClean="0"/>
-              <a:t> </a:t>
-            </a:r>
-          </a:p>
-          <a:p>
-            <a:pPr algn="just"/>
-            <a:r>
-              <a:rPr lang="en-US" sz="1600" b="1" dirty="0" err="1" smtClean="0"/>
-              <a:t>akurasi</a:t>
-            </a:r>
-            <a:r>
-              <a:rPr lang="en-US" sz="1600" b="1" dirty="0"/>
-              <a:t> </a:t>
-            </a:r>
-            <a:r>
-              <a:rPr lang="en-US" sz="1600" b="1" dirty="0" err="1"/>
-              <a:t>dan</a:t>
-            </a:r>
-            <a:r>
-              <a:rPr lang="en-US" sz="1600" b="1" dirty="0"/>
-              <a:t> </a:t>
-            </a:r>
-            <a:r>
-              <a:rPr lang="en-US" sz="1600" b="1" dirty="0" err="1"/>
-              <a:t>skor</a:t>
-            </a:r>
-            <a:r>
-              <a:rPr lang="en-US" sz="1600" b="1" dirty="0"/>
-              <a:t> </a:t>
-            </a:r>
-            <a:r>
-              <a:rPr lang="en-US" sz="1600" b="1" dirty="0" smtClean="0"/>
-              <a:t>F1</a:t>
-            </a:r>
-            <a:r>
-              <a:rPr lang="en-US" sz="1600" b="1" dirty="0"/>
-              <a:t> </a:t>
-            </a:r>
-            <a:r>
-              <a:rPr lang="en-US" sz="1600" b="1" dirty="0" err="1"/>
-              <a:t>terbaik</a:t>
-            </a:r>
-            <a:r>
-              <a:rPr lang="en-US" sz="1600" b="1" dirty="0" smtClean="0"/>
-              <a:t>.</a:t>
-            </a:r>
-            <a:endParaRPr lang="en-US" sz="1600" dirty="0"/>
-          </a:p>
-          <a:p>
-            <a:pPr algn="just"/>
-            <a:endParaRPr lang="en-US" sz="1600" dirty="0"/>
-          </a:p>
-        </p:txBody>
-      </p:sp>
     </p:spTree>
   </p:cSld>
   <p:clrMapOvr>
@@ -6779,7 +7008,6 @@
               <a:rPr lang="en-US" dirty="0" smtClean="0"/>
               <a:t>Better Credit Score</a:t>
             </a:r>
-            <a:endParaRPr lang="en-US" dirty="0" smtClean="0"/>
           </a:p>
           <a:p>
             <a:endParaRPr lang="en-US" dirty="0" smtClean="0"/>
@@ -6953,9 +7181,20 @@
           <a:p>
             <a:r>
               <a:rPr lang="en-US" dirty="0" smtClean="0"/>
-              <a:t>Source data : https://www.kaggle.com/datasets/gavincanacam/home-loan-predictions</a:t>
+              <a:t>Source data : </a:t>
             </a:r>
             <a:endParaRPr lang="en-US" dirty="0" smtClean="0"/>
+          </a:p>
+          <a:p>
+            <a:pPr lvl="1"/>
+            <a:r>
+              <a:rPr lang="en-US" sz="1600" dirty="0" smtClean="0"/>
+              <a:t>https</a:t>
+            </a:r>
+            <a:r>
+              <a:rPr lang="en-US" sz="1600" dirty="0" smtClean="0"/>
+              <a:t>://www.kaggle.com/datasets/gavincanacam/home-loan-predictions</a:t>
+            </a:r>
           </a:p>
         </p:txBody>
       </p:sp>
@@ -7081,11 +7320,7 @@
             <a:pPr lvl="1"/>
             <a:r>
               <a:rPr lang="en-US" dirty="0" smtClean="0"/>
-              <a:t>T</a:t>
-            </a:r>
-            <a:r>
-              <a:rPr lang="en-US" dirty="0" smtClean="0"/>
-              <a:t>est</a:t>
+              <a:t>Test</a:t>
             </a:r>
             <a:endParaRPr lang="en-US" dirty="0"/>
           </a:p>
@@ -7508,7 +7743,15 @@
           <a:p>
             <a:r>
               <a:rPr lang="en-US" dirty="0" smtClean="0"/>
-              <a:t>Exploratory Data Analysis</a:t>
+              <a:t>EDA – Loan Status </a:t>
+            </a:r>
+            <a:r>
+              <a:rPr lang="en-US" dirty="0" err="1" smtClean="0"/>
+              <a:t>vs</a:t>
+            </a:r>
+            <a:r>
+              <a:rPr lang="en-US" dirty="0" smtClean="0"/>
+              <a:t> Gender</a:t>
             </a:r>
             <a:endParaRPr lang="en-US" dirty="0"/>
           </a:p>
@@ -7684,40 +7927,54 @@
         </p:nvSpPr>
         <p:spPr/>
         <p:txBody>
-          <a:bodyPr/>
-          <a:lstStyle/>
-          <a:p>
-            <a:r>
-              <a:rPr lang="en-US" dirty="0" smtClean="0"/>
-              <a:t>Exploratory Data Analysis</a:t>
-            </a:r>
-            <a:endParaRPr lang="en-US" dirty="0"/>
-          </a:p>
-        </p:txBody>
-      </p:sp>
-      <p:sp>
-        <p:nvSpPr>
-          <p:cNvPr id="3" name="Content Placeholder 2"/>
-          <p:cNvSpPr>
-            <a:spLocks noGrp="1"/>
-          </p:cNvSpPr>
-          <p:nvPr>
-            <p:ph idx="1"/>
-          </p:nvPr>
-        </p:nvSpPr>
-        <p:spPr>
-          <a:xfrm>
-            <a:off x="5715000" y="2362200"/>
-            <a:ext cx="2971800" cy="4008120"/>
-          </a:xfrm>
-        </p:spPr>
-        <p:txBody>
           <a:bodyPr>
             <a:normAutofit/>
           </a:bodyPr>
           <a:lstStyle/>
           <a:p>
             <a:r>
+              <a:rPr lang="en-US" dirty="0" smtClean="0"/>
+              <a:t>EDA – Loan Status </a:t>
+            </a:r>
+            <a:r>
+              <a:rPr lang="en-US" dirty="0" err="1" smtClean="0"/>
+              <a:t>vs</a:t>
+            </a:r>
+            <a:r>
+              <a:rPr lang="en-US" dirty="0" smtClean="0"/>
+              <a:t> </a:t>
+            </a:r>
+            <a:r>
+              <a:rPr lang="en-US" dirty="0" smtClean="0"/>
+              <a:t>Married</a:t>
+            </a:r>
+            <a:endParaRPr lang="en-US" dirty="0"/>
+          </a:p>
+        </p:txBody>
+      </p:sp>
+      <p:sp>
+        <p:nvSpPr>
+          <p:cNvPr id="3" name="Content Placeholder 2"/>
+          <p:cNvSpPr>
+            <a:spLocks noGrp="1"/>
+          </p:cNvSpPr>
+          <p:nvPr>
+            <p:ph idx="1"/>
+          </p:nvPr>
+        </p:nvSpPr>
+        <p:spPr>
+          <a:xfrm>
+            <a:off x="5715000" y="2362200"/>
+            <a:ext cx="2971800" cy="4008120"/>
+          </a:xfrm>
+        </p:spPr>
+        <p:txBody>
+          <a:bodyPr>
+            <a:normAutofit/>
+          </a:bodyPr>
+          <a:lstStyle/>
+          <a:p>
+            <a:r>
               <a:rPr lang="en-US" dirty="0" err="1" smtClean="0"/>
               <a:t>Pelanggan</a:t>
             </a:r>
@@ -7789,7 +8046,6 @@
               <a:rPr lang="en-US" dirty="0" smtClean="0"/>
               <a:t>.</a:t>
             </a:r>
-            <a:endParaRPr lang="en-US" dirty="0" smtClean="0"/>
           </a:p>
         </p:txBody>
       </p:sp>
